--- a/src/assets/proekt.pptx
+++ b/src/assets/proekt.pptx
@@ -306,7 +306,7 @@
           <a:p>
             <a:fld id="{4AAD347D-5ACD-4C99-B74B-A9C85AD731AF}" type="datetimeFigureOut">
               <a:rPr lang="en-US" dirty="0"/>
-              <a:t>6/2/2024</a:t>
+              <a:t>6/3/2024</a:t>
             </a:fld>
             <a:endParaRPr lang="en-US" dirty="0"/>
           </a:p>
@@ -576,7 +576,7 @@
           <a:p>
             <a:fld id="{4509A250-FF31-4206-8172-F9D3106AACB1}" type="datetimeFigureOut">
               <a:rPr lang="en-US" dirty="0"/>
-              <a:t>6/2/2024</a:t>
+              <a:t>6/3/2024</a:t>
             </a:fld>
             <a:endParaRPr lang="en-US" dirty="0"/>
           </a:p>
@@ -765,7 +765,7 @@
           <a:p>
             <a:fld id="{4509A250-FF31-4206-8172-F9D3106AACB1}" type="datetimeFigureOut">
               <a:rPr lang="en-US" dirty="0"/>
-              <a:t>6/2/2024</a:t>
+              <a:t>6/3/2024</a:t>
             </a:fld>
             <a:endParaRPr lang="en-US" dirty="0"/>
           </a:p>
@@ -1033,7 +1033,7 @@
           <a:p>
             <a:fld id="{4509A250-FF31-4206-8172-F9D3106AACB1}" type="datetimeFigureOut">
               <a:rPr lang="en-US" dirty="0"/>
-              <a:t>6/2/2024</a:t>
+              <a:t>6/3/2024</a:t>
             </a:fld>
             <a:endParaRPr lang="en-US" dirty="0"/>
           </a:p>
@@ -1369,7 +1369,7 @@
           <a:p>
             <a:fld id="{4509A250-FF31-4206-8172-F9D3106AACB1}" type="datetimeFigureOut">
               <a:rPr lang="en-US" dirty="0"/>
-              <a:t>6/2/2024</a:t>
+              <a:t>6/3/2024</a:t>
             </a:fld>
             <a:endParaRPr lang="en-US" dirty="0"/>
           </a:p>
@@ -1987,7 +1987,7 @@
           <a:p>
             <a:fld id="{4509A250-FF31-4206-8172-F9D3106AACB1}" type="datetimeFigureOut">
               <a:rPr lang="en-US" dirty="0"/>
-              <a:t>6/2/2024</a:t>
+              <a:t>6/3/2024</a:t>
             </a:fld>
             <a:endParaRPr lang="en-US" dirty="0"/>
           </a:p>
@@ -2842,7 +2842,7 @@
           <a:p>
             <a:fld id="{4509A250-FF31-4206-8172-F9D3106AACB1}" type="datetimeFigureOut">
               <a:rPr lang="en-US" dirty="0"/>
-              <a:t>6/2/2024</a:t>
+              <a:t>6/3/2024</a:t>
             </a:fld>
             <a:endParaRPr lang="en-US" dirty="0"/>
           </a:p>
@@ -3007,7 +3007,7 @@
           <a:p>
             <a:fld id="{4509A250-FF31-4206-8172-F9D3106AACB1}" type="datetimeFigureOut">
               <a:rPr lang="en-US" dirty="0"/>
-              <a:t>6/2/2024</a:t>
+              <a:t>6/3/2024</a:t>
             </a:fld>
             <a:endParaRPr lang="en-US" dirty="0"/>
           </a:p>
@@ -3182,7 +3182,7 @@
           <a:p>
             <a:fld id="{4509A250-FF31-4206-8172-F9D3106AACB1}" type="datetimeFigureOut">
               <a:rPr lang="en-US" dirty="0"/>
-              <a:t>6/2/2024</a:t>
+              <a:t>6/3/2024</a:t>
             </a:fld>
             <a:endParaRPr lang="en-US" dirty="0"/>
           </a:p>
@@ -3347,7 +3347,7 @@
           <a:p>
             <a:fld id="{4509A250-FF31-4206-8172-F9D3106AACB1}" type="datetimeFigureOut">
               <a:rPr lang="en-US" dirty="0"/>
-              <a:t>6/2/2024</a:t>
+              <a:t>6/3/2024</a:t>
             </a:fld>
             <a:endParaRPr lang="en-US" dirty="0"/>
           </a:p>
@@ -3589,7 +3589,7 @@
           <a:p>
             <a:fld id="{9796027F-7875-4030-9381-8BD8C4F21935}" type="datetimeFigureOut">
               <a:rPr lang="en-US" dirty="0"/>
-              <a:t>6/2/2024</a:t>
+              <a:t>6/3/2024</a:t>
             </a:fld>
             <a:endParaRPr lang="en-US" dirty="0"/>
           </a:p>
@@ -3876,7 +3876,7 @@
           <a:p>
             <a:fld id="{9796027F-7875-4030-9381-8BD8C4F21935}" type="datetimeFigureOut">
               <a:rPr lang="en-US" dirty="0"/>
-              <a:t>6/2/2024</a:t>
+              <a:t>6/3/2024</a:t>
             </a:fld>
             <a:endParaRPr lang="en-US" dirty="0"/>
           </a:p>
@@ -4315,7 +4315,7 @@
           <a:p>
             <a:fld id="{9796027F-7875-4030-9381-8BD8C4F21935}" type="datetimeFigureOut">
               <a:rPr lang="en-US" dirty="0"/>
-              <a:t>6/2/2024</a:t>
+              <a:t>6/3/2024</a:t>
             </a:fld>
             <a:endParaRPr lang="en-US" dirty="0"/>
           </a:p>
@@ -4428,7 +4428,7 @@
           <a:p>
             <a:fld id="{4509A250-FF31-4206-8172-F9D3106AACB1}" type="datetimeFigureOut">
               <a:rPr lang="en-US" dirty="0"/>
-              <a:t>6/2/2024</a:t>
+              <a:t>6/3/2024</a:t>
             </a:fld>
             <a:endParaRPr lang="en-US" dirty="0"/>
           </a:p>
@@ -4518,7 +4518,7 @@
           <a:p>
             <a:fld id="{4509A250-FF31-4206-8172-F9D3106AACB1}" type="datetimeFigureOut">
               <a:rPr lang="en-US" dirty="0"/>
-              <a:t>6/2/2024</a:t>
+              <a:t>6/3/2024</a:t>
             </a:fld>
             <a:endParaRPr lang="en-US" dirty="0"/>
           </a:p>
@@ -4792,7 +4792,7 @@
           <a:p>
             <a:fld id="{4509A250-FF31-4206-8172-F9D3106AACB1}" type="datetimeFigureOut">
               <a:rPr lang="en-US" dirty="0"/>
-              <a:t>6/2/2024</a:t>
+              <a:t>6/3/2024</a:t>
             </a:fld>
             <a:endParaRPr lang="en-US" dirty="0"/>
           </a:p>
@@ -5062,7 +5062,7 @@
           <a:p>
             <a:fld id="{4509A250-FF31-4206-8172-F9D3106AACB1}" type="datetimeFigureOut">
               <a:rPr lang="en-US" dirty="0"/>
-              <a:t>6/2/2024</a:t>
+              <a:t>6/3/2024</a:t>
             </a:fld>
             <a:endParaRPr lang="en-US" dirty="0"/>
           </a:p>
@@ -5486,7 +5486,7 @@
           <a:p>
             <a:fld id="{4AAD347D-5ACD-4C99-B74B-A9C85AD731AF}" type="datetimeFigureOut">
               <a:rPr lang="en-US" dirty="0"/>
-              <a:t>6/2/2024</a:t>
+              <a:t>6/3/2024</a:t>
             </a:fld>
             <a:endParaRPr lang="en-US" dirty="0"/>
           </a:p>
@@ -6218,7 +6218,23 @@
                   <a:schemeClr val="bg1"/>
                 </a:solidFill>
               </a:rPr>
-              <a:t>Ученик 9Б класса</a:t>
+              <a:t>Ученик </a:t>
+            </a:r>
+            <a:r>
+              <a:rPr lang="en-US" sz="2000" dirty="0">
+                <a:solidFill>
+                  <a:schemeClr val="bg1"/>
+                </a:solidFill>
+              </a:rPr>
+              <a:t>10</a:t>
+            </a:r>
+            <a:r>
+              <a:rPr lang="ru-RU" sz="2000" dirty="0">
+                <a:solidFill>
+                  <a:schemeClr val="bg1"/>
+                </a:solidFill>
+              </a:rPr>
+              <a:t>Б класса</a:t>
             </a:r>
           </a:p>
           <a:p>
@@ -6281,13 +6297,25 @@
             </a:r>
           </a:p>
           <a:p>
+            <a:pPr algn="just">
+              <a:lnSpc>
+                <a:spcPct val="115000"/>
+              </a:lnSpc>
+              <a:spcAft>
+                <a:spcPts val="1000"/>
+              </a:spcAft>
+            </a:pPr>
             <a:r>
               <a:rPr lang="ru-RU" sz="2000" dirty="0">
                 <a:solidFill>
                   <a:schemeClr val="bg1"/>
                 </a:solidFill>
+                <a:effectLst/>
+                <a:latin typeface="Century Gothic" panose="020B0502020202020204" pitchFamily="34" charset="0"/>
+                <a:ea typeface="Calibri" panose="020F0502020204030204" pitchFamily="34" charset="0"/>
+                <a:cs typeface="Times New Roman" panose="02020603050405020304" pitchFamily="18" charset="0"/>
               </a:rPr>
-              <a:t>Сеченова Е. А.</a:t>
+              <a:t>Савенкова А. И.</a:t>
             </a:r>
           </a:p>
         </p:txBody>
@@ -6327,8 +6355,21 @@
                   <a:schemeClr val="bg1"/>
                 </a:solidFill>
               </a:rPr>
-              <a:t>Таганрог 2023</a:t>
-            </a:r>
+              <a:t>Таганрог 202</a:t>
+            </a:r>
+            <a:r>
+              <a:rPr lang="en-US" sz="2400" dirty="0">
+                <a:solidFill>
+                  <a:schemeClr val="bg1"/>
+                </a:solidFill>
+              </a:rPr>
+              <a:t>4</a:t>
+            </a:r>
+            <a:endParaRPr lang="ru-RU" sz="2400" dirty="0">
+              <a:solidFill>
+                <a:schemeClr val="bg1"/>
+              </a:solidFill>
+            </a:endParaRPr>
           </a:p>
         </p:txBody>
       </p:sp>
